--- a/DT-Summer-Corps-RIS-Intro.pptx
+++ b/DT-Summer-Corps-RIS-Intro.pptx
@@ -8748,7 +8748,7 @@
           <a:p>
             <a:r>
               <a:rPr lang="en-US" dirty="0"/>
-              <a:t>Average Compute Specs</a:t>
+              <a:t>Average Computer Specs</a:t>
             </a:r>
           </a:p>
           <a:p>
@@ -10533,7 +10533,7 @@
           <a:p>
             <a:r>
               <a:rPr lang="en-US" dirty="0"/>
-              <a:t>Command Line Interface (CLI)</a:t>
+              <a:t>Command Line Interface (CLI) [C1,C2]</a:t>
             </a:r>
           </a:p>
           <a:p>
